--- a/presentations/AI Hackathon_Archives of Ontario.pptx
+++ b/presentations/AI Hackathon_Archives of Ontario.pptx
@@ -5,17 +5,19 @@
     <p:sldMasterId id="2147483672" r:id="rId1"/>
   </p:sldMasterIdLst>
   <p:notesMasterIdLst>
-    <p:notesMasterId r:id="rId10"/>
+    <p:notesMasterId r:id="rId12"/>
   </p:notesMasterIdLst>
   <p:sldIdLst>
     <p:sldId id="310" r:id="rId2"/>
-    <p:sldId id="257" r:id="rId3"/>
-    <p:sldId id="258" r:id="rId4"/>
-    <p:sldId id="260" r:id="rId5"/>
-    <p:sldId id="259" r:id="rId6"/>
-    <p:sldId id="262" r:id="rId7"/>
-    <p:sldId id="261" r:id="rId8"/>
-    <p:sldId id="311" r:id="rId9"/>
+    <p:sldId id="312" r:id="rId3"/>
+    <p:sldId id="314" r:id="rId4"/>
+    <p:sldId id="258" r:id="rId5"/>
+    <p:sldId id="260" r:id="rId6"/>
+    <p:sldId id="259" r:id="rId7"/>
+    <p:sldId id="313" r:id="rId8"/>
+    <p:sldId id="262" r:id="rId9"/>
+    <p:sldId id="261" r:id="rId10"/>
+    <p:sldId id="315" r:id="rId11"/>
   </p:sldIdLst>
   <p:sldSz cx="12192000" cy="6858000"/>
   <p:notesSz cx="6858000" cy="9144000"/>
@@ -204,7 +206,7 @@
           <a:p>
             <a:fld id="{BCCB864C-D420-4543-851D-DCB06C06F769}" type="datetimeFigureOut">
               <a:rPr lang="en-CA" smtClean="0"/>
-              <a:t>01/30/2019</a:t>
+              <a:t>01/31/2019</a:t>
             </a:fld>
             <a:endParaRPr lang="en-CA" dirty="0"/>
           </a:p>
@@ -603,7 +605,7 @@
           <a:p>
             <a:fld id="{A81AF360-15C1-4DC8-951E-680BA9AE613C}" type="datetime1">
               <a:rPr lang="en-CA" smtClean="0"/>
-              <a:t>01/30/2019</a:t>
+              <a:t>01/31/2019</a:t>
             </a:fld>
             <a:endParaRPr lang="en-CA" dirty="0"/>
           </a:p>
@@ -773,7 +775,7 @@
           <a:p>
             <a:fld id="{DA128288-1395-4842-8F37-F9E9D1A260F9}" type="datetime1">
               <a:rPr lang="en-CA" smtClean="0"/>
-              <a:t>01/30/2019</a:t>
+              <a:t>01/31/2019</a:t>
             </a:fld>
             <a:endParaRPr lang="en-CA" dirty="0"/>
           </a:p>
@@ -953,7 +955,7 @@
           <a:p>
             <a:fld id="{72964A41-F379-4A0A-AAF9-22D154157E5C}" type="datetime1">
               <a:rPr lang="en-CA" smtClean="0"/>
-              <a:t>01/30/2019</a:t>
+              <a:t>01/31/2019</a:t>
             </a:fld>
             <a:endParaRPr lang="en-CA" dirty="0"/>
           </a:p>
@@ -1152,7 +1154,7 @@
           <a:p>
             <a:fld id="{253B414A-8A95-40DD-9F53-3AAA10CD4299}" type="datetime1">
               <a:rPr lang="en-CA" smtClean="0"/>
-              <a:t>01/30/2019</a:t>
+              <a:t>01/31/2019</a:t>
             </a:fld>
             <a:endParaRPr lang="en-CA" dirty="0"/>
           </a:p>
@@ -1567,7 +1569,7 @@
           <a:p>
             <a:fld id="{247CB93B-6221-4247-B88A-D8DBFFF07DA0}" type="datetime1">
               <a:rPr lang="en-CA" smtClean="0"/>
-              <a:t>01/30/2019</a:t>
+              <a:t>01/31/2019</a:t>
             </a:fld>
             <a:endParaRPr lang="en-CA" dirty="0"/>
           </a:p>
@@ -1976,7 +1978,7 @@
           <a:p>
             <a:fld id="{34098BCE-3C99-4529-92A0-4E3D4EED5988}" type="datetime1">
               <a:rPr lang="en-CA" smtClean="0"/>
-              <a:t>01/30/2019</a:t>
+              <a:t>01/31/2019</a:t>
             </a:fld>
             <a:endParaRPr lang="en-CA" dirty="0"/>
           </a:p>
@@ -2343,7 +2345,7 @@
           <a:p>
             <a:fld id="{5F676BC7-AE19-4DB7-BE63-05DF7ADD15BD}" type="datetime1">
               <a:rPr lang="en-CA" smtClean="0"/>
-              <a:t>01/30/2019</a:t>
+              <a:t>01/31/2019</a:t>
             </a:fld>
             <a:endParaRPr lang="en-CA" dirty="0"/>
           </a:p>
@@ -2461,7 +2463,7 @@
           <a:p>
             <a:fld id="{8549C660-8FF7-451F-BC29-3C455F59E238}" type="datetime1">
               <a:rPr lang="en-CA" smtClean="0"/>
-              <a:t>01/30/2019</a:t>
+              <a:t>01/31/2019</a:t>
             </a:fld>
             <a:endParaRPr lang="en-CA" dirty="0"/>
           </a:p>
@@ -2556,7 +2558,7 @@
           <a:p>
             <a:fld id="{7BE0B498-B304-49E5-85BD-E96E61E657AD}" type="datetime1">
               <a:rPr lang="en-CA" smtClean="0"/>
-              <a:t>01/30/2019</a:t>
+              <a:t>01/31/2019</a:t>
             </a:fld>
             <a:endParaRPr lang="en-CA" dirty="0"/>
           </a:p>
@@ -2833,7 +2835,7 @@
           <a:p>
             <a:fld id="{6B5C405E-AE3A-4842-8E59-CA59DF67AAF9}" type="datetime1">
               <a:rPr lang="en-CA" smtClean="0"/>
-              <a:t>01/30/2019</a:t>
+              <a:t>01/31/2019</a:t>
             </a:fld>
             <a:endParaRPr lang="en-CA" dirty="0"/>
           </a:p>
@@ -3089,7 +3091,7 @@
           <a:p>
             <a:fld id="{15DFB3B2-98C5-407D-B22D-E39814761B2F}" type="datetime1">
               <a:rPr lang="en-CA" smtClean="0"/>
-              <a:t>01/30/2019</a:t>
+              <a:t>01/31/2019</a:t>
             </a:fld>
             <a:endParaRPr lang="en-CA" dirty="0"/>
           </a:p>
@@ -3302,7 +3304,7 @@
           <a:p>
             <a:fld id="{29EB5A7D-0554-410E-A42E-C003F76A7EC3}" type="datetime1">
               <a:rPr lang="en-CA" smtClean="0"/>
-              <a:t>01/30/2019</a:t>
+              <a:t>01/31/2019</a:t>
             </a:fld>
             <a:endParaRPr lang="en-CA" dirty="0"/>
           </a:p>
@@ -3999,6 +4001,189 @@
 </p:sld>
 </file>
 
+<file path=ppt/slides/slide10.xml><?xml version="1.0" encoding="utf-8"?>
+<p:sld xmlns:a="http://schemas.openxmlformats.org/drawingml/2006/main" xmlns:r="http://schemas.openxmlformats.org/officeDocument/2006/relationships" xmlns:p="http://schemas.openxmlformats.org/presentationml/2006/main">
+  <p:cSld>
+    <p:spTree>
+      <p:nvGrpSpPr>
+        <p:cNvPr id="1" name=""/>
+        <p:cNvGrpSpPr/>
+        <p:nvPr/>
+      </p:nvGrpSpPr>
+      <p:grpSpPr>
+        <a:xfrm>
+          <a:off x="0" y="0"/>
+          <a:ext cx="0" cy="0"/>
+          <a:chOff x="0" y="0"/>
+          <a:chExt cx="0" cy="0"/>
+        </a:xfrm>
+      </p:grpSpPr>
+      <p:sp>
+        <p:nvSpPr>
+          <p:cNvPr id="2" name="Title 1">
+            <a:extLst>
+              <a:ext uri="{FF2B5EF4-FFF2-40B4-BE49-F238E27FC236}">
+                <a16:creationId xmlns:a16="http://schemas.microsoft.com/office/drawing/2014/main" id="{B8C15914-D40C-4F62-B6D9-DA72645C1818}"/>
+              </a:ext>
+            </a:extLst>
+          </p:cNvPr>
+          <p:cNvSpPr>
+            <a:spLocks noGrp="1"/>
+          </p:cNvSpPr>
+          <p:nvPr>
+            <p:ph type="title"/>
+          </p:nvPr>
+        </p:nvSpPr>
+        <p:spPr/>
+        <p:txBody>
+          <a:bodyPr/>
+          <a:lstStyle/>
+          <a:p>
+            <a:r>
+              <a:rPr lang="en-CA" dirty="0"/>
+              <a:t>Where to next?</a:t>
+            </a:r>
+          </a:p>
+        </p:txBody>
+      </p:sp>
+      <p:sp>
+        <p:nvSpPr>
+          <p:cNvPr id="3" name="Content Placeholder 2">
+            <a:extLst>
+              <a:ext uri="{FF2B5EF4-FFF2-40B4-BE49-F238E27FC236}">
+                <a16:creationId xmlns:a16="http://schemas.microsoft.com/office/drawing/2014/main" id="{F5BB86FC-C5C1-420C-98EB-340120DE0C7B}"/>
+              </a:ext>
+            </a:extLst>
+          </p:cNvPr>
+          <p:cNvSpPr>
+            <a:spLocks noGrp="1"/>
+          </p:cNvSpPr>
+          <p:nvPr>
+            <p:ph idx="1"/>
+          </p:nvPr>
+        </p:nvSpPr>
+        <p:spPr/>
+        <p:txBody>
+          <a:bodyPr>
+            <a:normAutofit/>
+          </a:bodyPr>
+          <a:lstStyle/>
+          <a:p>
+            <a:pPr marL="0" indent="0">
+              <a:buNone/>
+            </a:pPr>
+            <a:r>
+              <a:rPr lang="en-CA" b="1" dirty="0"/>
+              <a:t>People</a:t>
+            </a:r>
+          </a:p>
+          <a:p>
+            <a:pPr lvl="1"/>
+            <a:r>
+              <a:rPr lang="en-CA" sz="2800" dirty="0"/>
+              <a:t>Invest in staff development and build digital competencies. </a:t>
+            </a:r>
+          </a:p>
+          <a:p>
+            <a:pPr lvl="1"/>
+            <a:endParaRPr lang="en-CA" dirty="0"/>
+          </a:p>
+          <a:p>
+            <a:pPr marL="0" indent="0">
+              <a:buNone/>
+            </a:pPr>
+            <a:r>
+              <a:rPr lang="en-CA" b="1" dirty="0"/>
+              <a:t>Policy and Processes</a:t>
+            </a:r>
+          </a:p>
+          <a:p>
+            <a:pPr lvl="1"/>
+            <a:r>
+              <a:rPr lang="en-CA" sz="2800" dirty="0"/>
+              <a:t>Improve data management.</a:t>
+            </a:r>
+          </a:p>
+          <a:p>
+            <a:pPr lvl="1"/>
+            <a:r>
+              <a:rPr lang="en-CA" sz="2800" dirty="0"/>
+              <a:t>Articulate and modernize business processes and practices.</a:t>
+            </a:r>
+          </a:p>
+          <a:p>
+            <a:endParaRPr lang="en-CA" dirty="0"/>
+          </a:p>
+          <a:p>
+            <a:pPr marL="0" indent="0">
+              <a:buNone/>
+            </a:pPr>
+            <a:r>
+              <a:rPr lang="en-CA" b="1" dirty="0"/>
+              <a:t>Technology</a:t>
+            </a:r>
+          </a:p>
+          <a:p>
+            <a:pPr lvl="1"/>
+            <a:r>
+              <a:rPr lang="en-CA" sz="2800" dirty="0"/>
+              <a:t>Create IT infrastructure for staff to create and apply tools.</a:t>
+            </a:r>
+          </a:p>
+          <a:p>
+            <a:pPr marL="457200" lvl="1" indent="0">
+              <a:buNone/>
+            </a:pPr>
+            <a:endParaRPr lang="en-US" sz="2800" dirty="0"/>
+          </a:p>
+          <a:p>
+            <a:endParaRPr lang="en-CA" dirty="0"/>
+          </a:p>
+        </p:txBody>
+      </p:sp>
+      <p:sp>
+        <p:nvSpPr>
+          <p:cNvPr id="4" name="Slide Number Placeholder 3">
+            <a:extLst>
+              <a:ext uri="{FF2B5EF4-FFF2-40B4-BE49-F238E27FC236}">
+                <a16:creationId xmlns:a16="http://schemas.microsoft.com/office/drawing/2014/main" id="{CD4AED7A-2F95-45D3-B935-445C651C03B5}"/>
+              </a:ext>
+            </a:extLst>
+          </p:cNvPr>
+          <p:cNvSpPr>
+            <a:spLocks noGrp="1"/>
+          </p:cNvSpPr>
+          <p:nvPr>
+            <p:ph type="sldNum" sz="quarter" idx="12"/>
+          </p:nvPr>
+        </p:nvSpPr>
+        <p:spPr/>
+        <p:txBody>
+          <a:bodyPr/>
+          <a:lstStyle/>
+          <a:p>
+            <a:fld id="{F49A6261-6CFD-4356-8B3D-857E01D046D8}" type="slidenum">
+              <a:rPr lang="en-CA" smtClean="0"/>
+              <a:pPr/>
+              <a:t>10</a:t>
+            </a:fld>
+            <a:endParaRPr lang="en-CA" dirty="0"/>
+          </a:p>
+        </p:txBody>
+      </p:sp>
+    </p:spTree>
+    <p:extLst>
+      <p:ext uri="{BB962C8B-B14F-4D97-AF65-F5344CB8AC3E}">
+        <p14:creationId xmlns:p14="http://schemas.microsoft.com/office/powerpoint/2010/main" val="2289133088"/>
+      </p:ext>
+    </p:extLst>
+  </p:cSld>
+  <p:clrMapOvr>
+    <a:masterClrMapping/>
+  </p:clrMapOvr>
+</p:sld>
+</file>
+
 <file path=ppt/slides/slide2.xml><?xml version="1.0" encoding="utf-8"?>
 <p:sld xmlns:a="http://schemas.openxmlformats.org/drawingml/2006/main" xmlns:r="http://schemas.openxmlformats.org/officeDocument/2006/relationships" xmlns:p="http://schemas.openxmlformats.org/presentationml/2006/main">
   <p:cSld>
@@ -4018,10 +4203,10 @@
       </p:grpSpPr>
       <p:sp>
         <p:nvSpPr>
-          <p:cNvPr id="2" name="Title 1">
+          <p:cNvPr id="2" name="Content Placeholder 1">
             <a:extLst>
               <a:ext uri="{FF2B5EF4-FFF2-40B4-BE49-F238E27FC236}">
-                <a16:creationId xmlns:a16="http://schemas.microsoft.com/office/drawing/2014/main" id="{B8C15914-D40C-4F62-B6D9-DA72645C1818}"/>
+                <a16:creationId xmlns:a16="http://schemas.microsoft.com/office/drawing/2014/main" id="{DC0C07DF-C591-42DB-A570-F27AD9570E0F}"/>
               </a:ext>
             </a:extLst>
           </p:cNvPr>
@@ -4029,36 +4214,66 @@
             <a:spLocks noGrp="1"/>
           </p:cNvSpPr>
           <p:nvPr>
-            <p:ph type="title"/>
-          </p:nvPr>
-        </p:nvSpPr>
-        <p:spPr>
-          <a:xfrm>
-            <a:off x="899160" y="377317"/>
-            <a:ext cx="10515600" cy="1325563"/>
-          </a:xfrm>
-        </p:spPr>
-        <p:txBody>
-          <a:bodyPr/>
-          <a:lstStyle/>
-          <a:p>
-            <a:r>
-              <a:rPr lang="en-CA" dirty="0">
-                <a:solidFill>
-                  <a:schemeClr val="bg1"/>
-                </a:solidFill>
+            <p:ph idx="1"/>
+          </p:nvPr>
+        </p:nvSpPr>
+        <p:spPr/>
+        <p:txBody>
+          <a:bodyPr>
+            <a:normAutofit fontScale="92500" lnSpcReduction="20000"/>
+          </a:bodyPr>
+          <a:lstStyle/>
+          <a:p>
+            <a:r>
+              <a:rPr lang="en-CA" sz="3000" dirty="0"/>
+              <a:t>Since 1903 the </a:t>
+            </a:r>
+            <a:r>
+              <a:rPr lang="en-CA" sz="3000" dirty="0">
+                <a:hlinkClick r:id="rId2"/>
               </a:rPr>
-              <a:t>Problem Statement - Original</a:t>
-            </a:r>
-          </a:p>
-        </p:txBody>
-      </p:sp>
-      <p:sp>
-        <p:nvSpPr>
-          <p:cNvPr id="3" name="Content Placeholder 2">
+              <a:t>Archives of Ontario</a:t>
+            </a:r>
+            <a:r>
+              <a:rPr lang="en-CA" sz="3000" dirty="0"/>
+              <a:t> has been collecting, managing and preserving the records of any format the Government of Ontario and promoting and facilitating access. The Archives of Ontario provides access to digital records to Ontarians.</a:t>
+            </a:r>
+          </a:p>
+          <a:p>
+            <a:endParaRPr lang="en-CA" sz="3000" dirty="0"/>
+          </a:p>
+          <a:p>
+            <a:r>
+              <a:rPr lang="en-CA" sz="3000" dirty="0"/>
+              <a:t>“Record" means any record of information however recorded, whether in printed form, on film, by electronic means or otherwise.</a:t>
+            </a:r>
+          </a:p>
+          <a:p>
+            <a:endParaRPr lang="en-CA" sz="3000" dirty="0"/>
+          </a:p>
+          <a:p>
+            <a:r>
+              <a:rPr lang="en-CA" sz="3000" dirty="0"/>
+              <a:t>Supports strategic direction of IPA to enhance digital capacity by strengthening our capacity to receive, manage, preserve and provide access to digital records.</a:t>
+            </a:r>
+          </a:p>
+          <a:p>
+            <a:pPr marL="0" indent="0">
+              <a:buNone/>
+            </a:pPr>
+            <a:endParaRPr lang="en-CA" dirty="0"/>
+          </a:p>
+          <a:p>
+            <a:endParaRPr lang="en-CA" dirty="0"/>
+          </a:p>
+        </p:txBody>
+      </p:sp>
+      <p:sp>
+        <p:nvSpPr>
+          <p:cNvPr id="3" name="Slide Number Placeholder 2">
             <a:extLst>
               <a:ext uri="{FF2B5EF4-FFF2-40B4-BE49-F238E27FC236}">
-                <a16:creationId xmlns:a16="http://schemas.microsoft.com/office/drawing/2014/main" id="{F5BB86FC-C5C1-420C-98EB-340120DE0C7B}"/>
+                <a16:creationId xmlns:a16="http://schemas.microsoft.com/office/drawing/2014/main" id="{94B947C1-2CC1-4E7B-84DF-0FCD74A48BB8}"/>
               </a:ext>
             </a:extLst>
           </p:cNvPr>
@@ -4066,82 +4281,10 @@
             <a:spLocks noGrp="1"/>
           </p:cNvSpPr>
           <p:nvPr>
-            <p:ph idx="1"/>
+            <p:ph type="sldNum" sz="quarter" idx="12"/>
           </p:nvPr>
         </p:nvSpPr>
         <p:spPr/>
-        <p:txBody>
-          <a:bodyPr>
-            <a:normAutofit lnSpcReduction="10000"/>
-          </a:bodyPr>
-          <a:lstStyle/>
-          <a:p>
-            <a:r>
-              <a:rPr lang="en-CA" dirty="0"/>
-              <a:t>Since 1903 the </a:t>
-            </a:r>
-            <a:r>
-              <a:rPr lang="en-CA" dirty="0">
-                <a:hlinkClick r:id="rId2"/>
-              </a:rPr>
-              <a:t>Archives of Ontario</a:t>
-            </a:r>
-            <a:r>
-              <a:rPr lang="en-CA" dirty="0"/>
-              <a:t> has been collecting, managing and preserving the records of the Government of Ontario and promoting and facilitating access. Providing a window into the past for all Ontarians, connecting us with our ancestors, our communities and our government.</a:t>
-            </a:r>
-          </a:p>
-          <a:p>
-            <a:pPr marL="0" indent="0">
-              <a:buNone/>
-            </a:pPr>
-            <a:endParaRPr lang="en-CA" dirty="0"/>
-          </a:p>
-          <a:p>
-            <a:pPr marL="0" indent="0">
-              <a:buNone/>
-            </a:pPr>
-            <a:r>
-              <a:rPr lang="en-CA" b="1" dirty="0"/>
-              <a:t>Problem statement</a:t>
-            </a:r>
-          </a:p>
-          <a:p>
-            <a:r>
-              <a:rPr lang="en-CA" dirty="0"/>
-              <a:t>Review and analyse various data sets [e.g. Ontario government archival records] to sort/categorize, providing new information [e.g., related archived records] and improving processes [e.g., faster and easier access to archival information] </a:t>
-            </a:r>
-          </a:p>
-          <a:p>
-            <a:endParaRPr lang="en-CA" dirty="0"/>
-          </a:p>
-          <a:p>
-            <a:endParaRPr lang="en-CA" dirty="0"/>
-          </a:p>
-        </p:txBody>
-      </p:sp>
-      <p:sp>
-        <p:nvSpPr>
-          <p:cNvPr id="4" name="Slide Number Placeholder 3">
-            <a:extLst>
-              <a:ext uri="{FF2B5EF4-FFF2-40B4-BE49-F238E27FC236}">
-                <a16:creationId xmlns:a16="http://schemas.microsoft.com/office/drawing/2014/main" id="{9B7FCDE9-7908-42DB-A41D-4DF9AA6AE928}"/>
-              </a:ext>
-            </a:extLst>
-          </p:cNvPr>
-          <p:cNvSpPr>
-            <a:spLocks noGrp="1"/>
-          </p:cNvSpPr>
-          <p:nvPr>
-            <p:ph type="sldNum" sz="quarter" idx="12"/>
-          </p:nvPr>
-        </p:nvSpPr>
-        <p:spPr>
-          <a:xfrm>
-            <a:off x="11692527" y="6083435"/>
-            <a:ext cx="499473" cy="320675"/>
-          </a:xfrm>
-        </p:spPr>
         <p:txBody>
           <a:bodyPr/>
           <a:lstStyle/>
@@ -4155,10 +4298,782 @@
           </a:p>
         </p:txBody>
       </p:sp>
+      <p:sp>
+        <p:nvSpPr>
+          <p:cNvPr id="4" name="Title 3">
+            <a:extLst>
+              <a:ext uri="{FF2B5EF4-FFF2-40B4-BE49-F238E27FC236}">
+                <a16:creationId xmlns:a16="http://schemas.microsoft.com/office/drawing/2014/main" id="{AA0205C8-DC45-4B55-B654-A1F7BEF1B9AE}"/>
+              </a:ext>
+            </a:extLst>
+          </p:cNvPr>
+          <p:cNvSpPr>
+            <a:spLocks noGrp="1"/>
+          </p:cNvSpPr>
+          <p:nvPr>
+            <p:ph type="title"/>
+          </p:nvPr>
+        </p:nvSpPr>
+        <p:spPr/>
+        <p:txBody>
+          <a:bodyPr/>
+          <a:lstStyle/>
+          <a:p>
+            <a:r>
+              <a:rPr lang="en-CA" dirty="0"/>
+              <a:t>Who we are?</a:t>
+            </a:r>
+          </a:p>
+        </p:txBody>
+      </p:sp>
+      <p:sp>
+        <p:nvSpPr>
+          <p:cNvPr id="5" name="Rectangle 1">
+            <a:extLst>
+              <a:ext uri="{FF2B5EF4-FFF2-40B4-BE49-F238E27FC236}">
+                <a16:creationId xmlns:a16="http://schemas.microsoft.com/office/drawing/2014/main" id="{A6639FE2-F995-4A6A-BFB2-856DF9699E88}"/>
+              </a:ext>
+            </a:extLst>
+          </p:cNvPr>
+          <p:cNvSpPr>
+            <a:spLocks noChangeArrowheads="1"/>
+          </p:cNvSpPr>
+          <p:nvPr/>
+        </p:nvSpPr>
+        <p:spPr bwMode="auto">
+          <a:xfrm>
+            <a:off x="0" y="0"/>
+            <a:ext cx="12192000" cy="457200"/>
+          </a:xfrm>
+          <a:prstGeom prst="rect">
+            <a:avLst/>
+          </a:prstGeom>
+          <a:noFill/>
+          <a:ln>
+            <a:noFill/>
+          </a:ln>
+          <a:effectLst/>
+          <a:extLst>
+            <a:ext uri="{909E8E84-426E-40DD-AFC4-6F175D3DCCD1}">
+              <a14:hiddenFill xmlns:a14="http://schemas.microsoft.com/office/drawing/2010/main">
+                <a:solidFill>
+                  <a:schemeClr val="accent1"/>
+                </a:solidFill>
+              </a14:hiddenFill>
+            </a:ext>
+            <a:ext uri="{91240B29-F687-4F45-9708-019B960494DF}">
+              <a14:hiddenLine xmlns:a14="http://schemas.microsoft.com/office/drawing/2010/main" w="9525">
+                <a:solidFill>
+                  <a:schemeClr val="tx1"/>
+                </a:solidFill>
+                <a:miter lim="800000"/>
+                <a:headEnd/>
+                <a:tailEnd/>
+              </a14:hiddenLine>
+            </a:ext>
+            <a:ext uri="{AF507438-7753-43E0-B8FC-AC1667EBCBE1}">
+              <a14:hiddenEffects xmlns:a14="http://schemas.microsoft.com/office/drawing/2010/main">
+                <a:effectLst>
+                  <a:outerShdw dist="35921" dir="2700000" algn="ctr" rotWithShape="0">
+                    <a:schemeClr val="bg2"/>
+                  </a:outerShdw>
+                </a:effectLst>
+              </a14:hiddenEffects>
+            </a:ext>
+          </a:extLst>
+        </p:spPr>
+        <p:txBody>
+          <a:bodyPr vert="horz" wrap="none" lIns="914112" tIns="914112" rIns="914112" bIns="914112" numCol="1" anchor="ctr" anchorCtr="0" compatLnSpc="1">
+            <a:prstTxWarp prst="textNoShape">
+              <a:avLst/>
+            </a:prstTxWarp>
+            <a:spAutoFit/>
+          </a:bodyPr>
+          <a:lstStyle>
+            <a:lvl1pPr eaLnBrk="0" fontAlgn="base" hangingPunct="0">
+              <a:spcBef>
+                <a:spcPct val="0"/>
+              </a:spcBef>
+              <a:spcAft>
+                <a:spcPct val="0"/>
+              </a:spcAft>
+              <a:defRPr>
+                <a:solidFill>
+                  <a:schemeClr val="tx1"/>
+                </a:solidFill>
+                <a:latin typeface="Arial" panose="020B0604020202020204" pitchFamily="34" charset="0"/>
+              </a:defRPr>
+            </a:lvl1pPr>
+            <a:lvl2pPr eaLnBrk="0" fontAlgn="base" hangingPunct="0">
+              <a:spcBef>
+                <a:spcPct val="0"/>
+              </a:spcBef>
+              <a:spcAft>
+                <a:spcPct val="0"/>
+              </a:spcAft>
+              <a:defRPr>
+                <a:solidFill>
+                  <a:schemeClr val="tx1"/>
+                </a:solidFill>
+                <a:latin typeface="Arial" panose="020B0604020202020204" pitchFamily="34" charset="0"/>
+              </a:defRPr>
+            </a:lvl2pPr>
+            <a:lvl3pPr eaLnBrk="0" fontAlgn="base" hangingPunct="0">
+              <a:spcBef>
+                <a:spcPct val="0"/>
+              </a:spcBef>
+              <a:spcAft>
+                <a:spcPct val="0"/>
+              </a:spcAft>
+              <a:defRPr>
+                <a:solidFill>
+                  <a:schemeClr val="tx1"/>
+                </a:solidFill>
+                <a:latin typeface="Arial" panose="020B0604020202020204" pitchFamily="34" charset="0"/>
+              </a:defRPr>
+            </a:lvl3pPr>
+            <a:lvl4pPr eaLnBrk="0" fontAlgn="base" hangingPunct="0">
+              <a:spcBef>
+                <a:spcPct val="0"/>
+              </a:spcBef>
+              <a:spcAft>
+                <a:spcPct val="0"/>
+              </a:spcAft>
+              <a:defRPr>
+                <a:solidFill>
+                  <a:schemeClr val="tx1"/>
+                </a:solidFill>
+                <a:latin typeface="Arial" panose="020B0604020202020204" pitchFamily="34" charset="0"/>
+              </a:defRPr>
+            </a:lvl4pPr>
+            <a:lvl5pPr eaLnBrk="0" fontAlgn="base" hangingPunct="0">
+              <a:spcBef>
+                <a:spcPct val="0"/>
+              </a:spcBef>
+              <a:spcAft>
+                <a:spcPct val="0"/>
+              </a:spcAft>
+              <a:defRPr>
+                <a:solidFill>
+                  <a:schemeClr val="tx1"/>
+                </a:solidFill>
+                <a:latin typeface="Arial" panose="020B0604020202020204" pitchFamily="34" charset="0"/>
+              </a:defRPr>
+            </a:lvl5pPr>
+            <a:lvl6pPr eaLnBrk="0" fontAlgn="base" hangingPunct="0">
+              <a:spcBef>
+                <a:spcPct val="0"/>
+              </a:spcBef>
+              <a:spcAft>
+                <a:spcPct val="0"/>
+              </a:spcAft>
+              <a:defRPr>
+                <a:solidFill>
+                  <a:schemeClr val="tx1"/>
+                </a:solidFill>
+                <a:latin typeface="Arial" panose="020B0604020202020204" pitchFamily="34" charset="0"/>
+              </a:defRPr>
+            </a:lvl6pPr>
+            <a:lvl7pPr eaLnBrk="0" fontAlgn="base" hangingPunct="0">
+              <a:spcBef>
+                <a:spcPct val="0"/>
+              </a:spcBef>
+              <a:spcAft>
+                <a:spcPct val="0"/>
+              </a:spcAft>
+              <a:defRPr>
+                <a:solidFill>
+                  <a:schemeClr val="tx1"/>
+                </a:solidFill>
+                <a:latin typeface="Arial" panose="020B0604020202020204" pitchFamily="34" charset="0"/>
+              </a:defRPr>
+            </a:lvl7pPr>
+            <a:lvl8pPr eaLnBrk="0" fontAlgn="base" hangingPunct="0">
+              <a:spcBef>
+                <a:spcPct val="0"/>
+              </a:spcBef>
+              <a:spcAft>
+                <a:spcPct val="0"/>
+              </a:spcAft>
+              <a:defRPr>
+                <a:solidFill>
+                  <a:schemeClr val="tx1"/>
+                </a:solidFill>
+                <a:latin typeface="Arial" panose="020B0604020202020204" pitchFamily="34" charset="0"/>
+              </a:defRPr>
+            </a:lvl8pPr>
+            <a:lvl9pPr eaLnBrk="0" fontAlgn="base" hangingPunct="0">
+              <a:spcBef>
+                <a:spcPct val="0"/>
+              </a:spcBef>
+              <a:spcAft>
+                <a:spcPct val="0"/>
+              </a:spcAft>
+              <a:defRPr>
+                <a:solidFill>
+                  <a:schemeClr val="tx1"/>
+                </a:solidFill>
+                <a:latin typeface="Arial" panose="020B0604020202020204" pitchFamily="34" charset="0"/>
+              </a:defRPr>
+            </a:lvl9pPr>
+          </a:lstStyle>
+          <a:p>
+            <a:pPr marL="0" marR="0" lvl="0" indent="0" algn="l" defTabSz="914400" rtl="0" eaLnBrk="0" fontAlgn="base" latinLnBrk="0" hangingPunct="0">
+              <a:lnSpc>
+                <a:spcPct val="100000"/>
+              </a:lnSpc>
+              <a:spcBef>
+                <a:spcPct val="0"/>
+              </a:spcBef>
+              <a:spcAft>
+                <a:spcPct val="0"/>
+              </a:spcAft>
+              <a:buClrTx/>
+              <a:buSzTx/>
+              <a:buFontTx/>
+              <a:buNone/>
+              <a:tabLst/>
+            </a:pPr>
+            <a:r>
+              <a:rPr kumimoji="0" lang="en-CA" altLang="en-US" sz="1000" b="0" i="0" u="none" strike="noStrike" cap="none" normalizeH="0" baseline="0">
+                <a:ln>
+                  <a:noFill/>
+                </a:ln>
+                <a:solidFill>
+                  <a:schemeClr val="tx1"/>
+                </a:solidFill>
+                <a:effectLst/>
+                <a:latin typeface="Arial" panose="020B0604020202020204" pitchFamily="34" charset="0"/>
+                <a:cs typeface="Arial" panose="020B0604020202020204" pitchFamily="34" charset="0"/>
+              </a:rPr>
+              <a:t>[‎01/‎31/‎2019 10:36 AM]  Chan, Patrick (MGCS):  </a:t>
+            </a:r>
+            <a:endParaRPr kumimoji="0" lang="en-CA" altLang="en-US" sz="1100" b="0" i="0" u="none" strike="noStrike" cap="none" normalizeH="0" baseline="0">
+              <a:ln>
+                <a:noFill/>
+              </a:ln>
+              <a:solidFill>
+                <a:schemeClr val="tx1"/>
+              </a:solidFill>
+              <a:effectLst/>
+            </a:endParaRPr>
+          </a:p>
+          <a:p>
+            <a:pPr marL="0" marR="0" lvl="0" indent="0" algn="l" defTabSz="914400" rtl="0" eaLnBrk="0" fontAlgn="base" latinLnBrk="0" hangingPunct="0">
+              <a:lnSpc>
+                <a:spcPct val="100000"/>
+              </a:lnSpc>
+              <a:spcBef>
+                <a:spcPct val="0"/>
+              </a:spcBef>
+              <a:spcAft>
+                <a:spcPct val="0"/>
+              </a:spcAft>
+              <a:buClrTx/>
+              <a:buSzTx/>
+              <a:buFontTx/>
+              <a:buNone/>
+              <a:tabLst/>
+            </a:pPr>
+            <a:r>
+              <a:rPr kumimoji="0" lang="en-CA" altLang="en-US" sz="1200" b="0" i="0" u="none" strike="noStrike" cap="none" normalizeH="0" baseline="0">
+                <a:ln>
+                  <a:noFill/>
+                </a:ln>
+                <a:solidFill>
+                  <a:srgbClr val="505050"/>
+                </a:solidFill>
+                <a:effectLst/>
+                <a:latin typeface="Arial" panose="020B0604020202020204" pitchFamily="34" charset="0"/>
+                <a:cs typeface="Arial" panose="020B0604020202020204" pitchFamily="34" charset="0"/>
+              </a:rPr>
+              <a:t>"record" means any record of information however recorded, whether in printed form, on film, by electronic means or otherwise</a:t>
+            </a:r>
+            <a:r>
+              <a:rPr kumimoji="0" lang="en-CA" altLang="en-US" sz="1000" b="0" i="0" u="none" strike="noStrike" cap="none" normalizeH="0" baseline="0">
+                <a:ln>
+                  <a:noFill/>
+                </a:ln>
+                <a:solidFill>
+                  <a:srgbClr val="000000"/>
+                </a:solidFill>
+                <a:effectLst/>
+                <a:latin typeface="Segoe UI" panose="020B0502040204020203" pitchFamily="34" charset="0"/>
+                <a:cs typeface="Segoe UI" panose="020B0502040204020203" pitchFamily="34" charset="0"/>
+              </a:rPr>
+              <a:t> </a:t>
+            </a:r>
+            <a:endParaRPr kumimoji="0" lang="en-CA" altLang="en-US" sz="1100" b="0" i="0" u="none" strike="noStrike" cap="none" normalizeH="0" baseline="0">
+              <a:ln>
+                <a:noFill/>
+              </a:ln>
+              <a:solidFill>
+                <a:schemeClr val="tx1"/>
+              </a:solidFill>
+              <a:effectLst/>
+            </a:endParaRPr>
+          </a:p>
+          <a:p>
+            <a:pPr marL="0" marR="0" lvl="0" indent="0" algn="l" defTabSz="914400" rtl="0" eaLnBrk="0" fontAlgn="base" latinLnBrk="0" hangingPunct="0">
+              <a:lnSpc>
+                <a:spcPct val="100000"/>
+              </a:lnSpc>
+              <a:spcBef>
+                <a:spcPct val="0"/>
+              </a:spcBef>
+              <a:spcAft>
+                <a:spcPct val="0"/>
+              </a:spcAft>
+              <a:buClrTx/>
+              <a:buSzTx/>
+              <a:buFontTx/>
+              <a:buNone/>
+              <a:tabLst/>
+            </a:pPr>
+            <a:r>
+              <a:rPr kumimoji="0" lang="en-CA" altLang="en-US" sz="800" b="0" i="0" u="none" strike="noStrike" cap="none" normalizeH="0" baseline="0">
+                <a:ln>
+                  <a:noFill/>
+                </a:ln>
+                <a:solidFill>
+                  <a:srgbClr val="4E586A"/>
+                </a:solidFill>
+                <a:effectLst/>
+                <a:latin typeface="Segoe UI" panose="020B0502040204020203" pitchFamily="34" charset="0"/>
+                <a:cs typeface="Segoe UI" panose="020B0502040204020203" pitchFamily="34" charset="0"/>
+              </a:rPr>
+              <a:t> </a:t>
+            </a:r>
+            <a:endParaRPr kumimoji="0" lang="en-CA" altLang="en-US" sz="1100" b="0" i="0" u="none" strike="noStrike" cap="none" normalizeH="0" baseline="0">
+              <a:ln>
+                <a:noFill/>
+              </a:ln>
+              <a:solidFill>
+                <a:schemeClr val="tx1"/>
+              </a:solidFill>
+              <a:effectLst/>
+            </a:endParaRPr>
+          </a:p>
+          <a:p>
+            <a:pPr marL="0" marR="0" lvl="0" indent="0" algn="l" defTabSz="914400" rtl="0" eaLnBrk="0" fontAlgn="base" latinLnBrk="0" hangingPunct="0">
+              <a:lnSpc>
+                <a:spcPct val="100000"/>
+              </a:lnSpc>
+              <a:spcBef>
+                <a:spcPct val="0"/>
+              </a:spcBef>
+              <a:spcAft>
+                <a:spcPct val="0"/>
+              </a:spcAft>
+              <a:buClrTx/>
+              <a:buSzTx/>
+              <a:buFontTx/>
+              <a:buNone/>
+              <a:tabLst/>
+            </a:pPr>
+            <a:r>
+              <a:rPr kumimoji="0" lang="en-CA" altLang="en-US" sz="1000" b="0" i="0" u="none" strike="noStrike" cap="none" normalizeH="0" baseline="0">
+                <a:ln>
+                  <a:noFill/>
+                </a:ln>
+                <a:solidFill>
+                  <a:schemeClr val="tx1"/>
+                </a:solidFill>
+                <a:effectLst/>
+                <a:latin typeface="Calibri" panose="020F0502020204030204" pitchFamily="34" charset="0"/>
+                <a:cs typeface="Calibri" panose="020F0502020204030204" pitchFamily="34" charset="0"/>
+              </a:rPr>
+              <a:t> </a:t>
+            </a:r>
+            <a:endParaRPr kumimoji="0" lang="en-CA" altLang="en-US" sz="1800" b="0" i="0" u="none" strike="noStrike" cap="none" normalizeH="0" baseline="0">
+              <a:ln>
+                <a:noFill/>
+              </a:ln>
+              <a:solidFill>
+                <a:schemeClr val="tx1"/>
+              </a:solidFill>
+              <a:effectLst/>
+              <a:latin typeface="Arial" panose="020B0604020202020204" pitchFamily="34" charset="0"/>
+            </a:endParaRPr>
+          </a:p>
+        </p:txBody>
+      </p:sp>
+      <p:sp>
+        <p:nvSpPr>
+          <p:cNvPr id="6" name="Rectangle 2">
+            <a:extLst>
+              <a:ext uri="{FF2B5EF4-FFF2-40B4-BE49-F238E27FC236}">
+                <a16:creationId xmlns:a16="http://schemas.microsoft.com/office/drawing/2014/main" id="{D679D331-3B24-43A6-8634-70D5DCD7BFC7}"/>
+              </a:ext>
+            </a:extLst>
+          </p:cNvPr>
+          <p:cNvSpPr>
+            <a:spLocks noChangeArrowheads="1"/>
+          </p:cNvSpPr>
+          <p:nvPr/>
+        </p:nvSpPr>
+        <p:spPr bwMode="auto">
+          <a:xfrm>
+            <a:off x="152400" y="152400"/>
+            <a:ext cx="12192000" cy="457200"/>
+          </a:xfrm>
+          <a:prstGeom prst="rect">
+            <a:avLst/>
+          </a:prstGeom>
+          <a:noFill/>
+          <a:ln>
+            <a:noFill/>
+          </a:ln>
+          <a:effectLst/>
+          <a:extLst>
+            <a:ext uri="{909E8E84-426E-40DD-AFC4-6F175D3DCCD1}">
+              <a14:hiddenFill xmlns:a14="http://schemas.microsoft.com/office/drawing/2010/main">
+                <a:solidFill>
+                  <a:schemeClr val="accent1"/>
+                </a:solidFill>
+              </a14:hiddenFill>
+            </a:ext>
+            <a:ext uri="{91240B29-F687-4F45-9708-019B960494DF}">
+              <a14:hiddenLine xmlns:a14="http://schemas.microsoft.com/office/drawing/2010/main" w="9525">
+                <a:solidFill>
+                  <a:schemeClr val="tx1"/>
+                </a:solidFill>
+                <a:miter lim="800000"/>
+                <a:headEnd/>
+                <a:tailEnd/>
+              </a14:hiddenLine>
+            </a:ext>
+            <a:ext uri="{AF507438-7753-43E0-B8FC-AC1667EBCBE1}">
+              <a14:hiddenEffects xmlns:a14="http://schemas.microsoft.com/office/drawing/2010/main">
+                <a:effectLst>
+                  <a:outerShdw dist="35921" dir="2700000" algn="ctr" rotWithShape="0">
+                    <a:schemeClr val="bg2"/>
+                  </a:outerShdw>
+                </a:effectLst>
+              </a14:hiddenEffects>
+            </a:ext>
+          </a:extLst>
+        </p:spPr>
+        <p:txBody>
+          <a:bodyPr vert="horz" wrap="none" lIns="914112" tIns="914112" rIns="914112" bIns="914112" numCol="1" anchor="ctr" anchorCtr="0" compatLnSpc="1">
+            <a:prstTxWarp prst="textNoShape">
+              <a:avLst/>
+            </a:prstTxWarp>
+            <a:spAutoFit/>
+          </a:bodyPr>
+          <a:lstStyle>
+            <a:lvl1pPr eaLnBrk="0" fontAlgn="base" hangingPunct="0">
+              <a:spcBef>
+                <a:spcPct val="0"/>
+              </a:spcBef>
+              <a:spcAft>
+                <a:spcPct val="0"/>
+              </a:spcAft>
+              <a:defRPr>
+                <a:solidFill>
+                  <a:schemeClr val="tx1"/>
+                </a:solidFill>
+                <a:latin typeface="Arial" panose="020B0604020202020204" pitchFamily="34" charset="0"/>
+              </a:defRPr>
+            </a:lvl1pPr>
+            <a:lvl2pPr eaLnBrk="0" fontAlgn="base" hangingPunct="0">
+              <a:spcBef>
+                <a:spcPct val="0"/>
+              </a:spcBef>
+              <a:spcAft>
+                <a:spcPct val="0"/>
+              </a:spcAft>
+              <a:defRPr>
+                <a:solidFill>
+                  <a:schemeClr val="tx1"/>
+                </a:solidFill>
+                <a:latin typeface="Arial" panose="020B0604020202020204" pitchFamily="34" charset="0"/>
+              </a:defRPr>
+            </a:lvl2pPr>
+            <a:lvl3pPr eaLnBrk="0" fontAlgn="base" hangingPunct="0">
+              <a:spcBef>
+                <a:spcPct val="0"/>
+              </a:spcBef>
+              <a:spcAft>
+                <a:spcPct val="0"/>
+              </a:spcAft>
+              <a:defRPr>
+                <a:solidFill>
+                  <a:schemeClr val="tx1"/>
+                </a:solidFill>
+                <a:latin typeface="Arial" panose="020B0604020202020204" pitchFamily="34" charset="0"/>
+              </a:defRPr>
+            </a:lvl3pPr>
+            <a:lvl4pPr eaLnBrk="0" fontAlgn="base" hangingPunct="0">
+              <a:spcBef>
+                <a:spcPct val="0"/>
+              </a:spcBef>
+              <a:spcAft>
+                <a:spcPct val="0"/>
+              </a:spcAft>
+              <a:defRPr>
+                <a:solidFill>
+                  <a:schemeClr val="tx1"/>
+                </a:solidFill>
+                <a:latin typeface="Arial" panose="020B0604020202020204" pitchFamily="34" charset="0"/>
+              </a:defRPr>
+            </a:lvl4pPr>
+            <a:lvl5pPr eaLnBrk="0" fontAlgn="base" hangingPunct="0">
+              <a:spcBef>
+                <a:spcPct val="0"/>
+              </a:spcBef>
+              <a:spcAft>
+                <a:spcPct val="0"/>
+              </a:spcAft>
+              <a:defRPr>
+                <a:solidFill>
+                  <a:schemeClr val="tx1"/>
+                </a:solidFill>
+                <a:latin typeface="Arial" panose="020B0604020202020204" pitchFamily="34" charset="0"/>
+              </a:defRPr>
+            </a:lvl5pPr>
+            <a:lvl6pPr eaLnBrk="0" fontAlgn="base" hangingPunct="0">
+              <a:spcBef>
+                <a:spcPct val="0"/>
+              </a:spcBef>
+              <a:spcAft>
+                <a:spcPct val="0"/>
+              </a:spcAft>
+              <a:defRPr>
+                <a:solidFill>
+                  <a:schemeClr val="tx1"/>
+                </a:solidFill>
+                <a:latin typeface="Arial" panose="020B0604020202020204" pitchFamily="34" charset="0"/>
+              </a:defRPr>
+            </a:lvl6pPr>
+            <a:lvl7pPr eaLnBrk="0" fontAlgn="base" hangingPunct="0">
+              <a:spcBef>
+                <a:spcPct val="0"/>
+              </a:spcBef>
+              <a:spcAft>
+                <a:spcPct val="0"/>
+              </a:spcAft>
+              <a:defRPr>
+                <a:solidFill>
+                  <a:schemeClr val="tx1"/>
+                </a:solidFill>
+                <a:latin typeface="Arial" panose="020B0604020202020204" pitchFamily="34" charset="0"/>
+              </a:defRPr>
+            </a:lvl7pPr>
+            <a:lvl8pPr eaLnBrk="0" fontAlgn="base" hangingPunct="0">
+              <a:spcBef>
+                <a:spcPct val="0"/>
+              </a:spcBef>
+              <a:spcAft>
+                <a:spcPct val="0"/>
+              </a:spcAft>
+              <a:defRPr>
+                <a:solidFill>
+                  <a:schemeClr val="tx1"/>
+                </a:solidFill>
+                <a:latin typeface="Arial" panose="020B0604020202020204" pitchFamily="34" charset="0"/>
+              </a:defRPr>
+            </a:lvl8pPr>
+            <a:lvl9pPr eaLnBrk="0" fontAlgn="base" hangingPunct="0">
+              <a:spcBef>
+                <a:spcPct val="0"/>
+              </a:spcBef>
+              <a:spcAft>
+                <a:spcPct val="0"/>
+              </a:spcAft>
+              <a:defRPr>
+                <a:solidFill>
+                  <a:schemeClr val="tx1"/>
+                </a:solidFill>
+                <a:latin typeface="Arial" panose="020B0604020202020204" pitchFamily="34" charset="0"/>
+              </a:defRPr>
+            </a:lvl9pPr>
+          </a:lstStyle>
+          <a:p>
+            <a:pPr marL="0" marR="0" lvl="0" indent="0" algn="l" defTabSz="914400" rtl="0" eaLnBrk="0" fontAlgn="base" latinLnBrk="0" hangingPunct="0">
+              <a:lnSpc>
+                <a:spcPct val="100000"/>
+              </a:lnSpc>
+              <a:spcBef>
+                <a:spcPct val="0"/>
+              </a:spcBef>
+              <a:spcAft>
+                <a:spcPct val="0"/>
+              </a:spcAft>
+              <a:buClrTx/>
+              <a:buSzTx/>
+              <a:buFontTx/>
+              <a:buNone/>
+              <a:tabLst/>
+            </a:pPr>
+            <a:r>
+              <a:rPr kumimoji="0" lang="en-CA" altLang="en-US" sz="1000" b="0" i="0" u="none" strike="noStrike" cap="none" normalizeH="0" baseline="0">
+                <a:ln>
+                  <a:noFill/>
+                </a:ln>
+                <a:solidFill>
+                  <a:schemeClr val="tx1"/>
+                </a:solidFill>
+                <a:effectLst/>
+                <a:latin typeface="Arial" panose="020B0604020202020204" pitchFamily="34" charset="0"/>
+                <a:cs typeface="Arial" panose="020B0604020202020204" pitchFamily="34" charset="0"/>
+              </a:rPr>
+              <a:t>[‎01/‎31/‎2019 10:36 AM]  Chan, Patrick (MGCS):  </a:t>
+            </a:r>
+            <a:endParaRPr kumimoji="0" lang="en-CA" altLang="en-US" sz="1100" b="0" i="0" u="none" strike="noStrike" cap="none" normalizeH="0" baseline="0">
+              <a:ln>
+                <a:noFill/>
+              </a:ln>
+              <a:solidFill>
+                <a:schemeClr val="tx1"/>
+              </a:solidFill>
+              <a:effectLst/>
+            </a:endParaRPr>
+          </a:p>
+          <a:p>
+            <a:pPr marL="0" marR="0" lvl="0" indent="0" algn="l" defTabSz="914400" rtl="0" eaLnBrk="0" fontAlgn="base" latinLnBrk="0" hangingPunct="0">
+              <a:lnSpc>
+                <a:spcPct val="100000"/>
+              </a:lnSpc>
+              <a:spcBef>
+                <a:spcPct val="0"/>
+              </a:spcBef>
+              <a:spcAft>
+                <a:spcPct val="0"/>
+              </a:spcAft>
+              <a:buClrTx/>
+              <a:buSzTx/>
+              <a:buFontTx/>
+              <a:buNone/>
+              <a:tabLst/>
+            </a:pPr>
+            <a:r>
+              <a:rPr kumimoji="0" lang="en-CA" altLang="en-US" sz="1200" b="0" i="0" u="none" strike="noStrike" cap="none" normalizeH="0" baseline="0">
+                <a:ln>
+                  <a:noFill/>
+                </a:ln>
+                <a:solidFill>
+                  <a:srgbClr val="505050"/>
+                </a:solidFill>
+                <a:effectLst/>
+                <a:latin typeface="Arial" panose="020B0604020202020204" pitchFamily="34" charset="0"/>
+                <a:cs typeface="Arial" panose="020B0604020202020204" pitchFamily="34" charset="0"/>
+              </a:rPr>
+              <a:t>"record" means any record of information however recorded, whether in printed form, on film, by electronic means or otherwise</a:t>
+            </a:r>
+            <a:r>
+              <a:rPr kumimoji="0" lang="en-CA" altLang="en-US" sz="1000" b="0" i="0" u="none" strike="noStrike" cap="none" normalizeH="0" baseline="0">
+                <a:ln>
+                  <a:noFill/>
+                </a:ln>
+                <a:solidFill>
+                  <a:srgbClr val="000000"/>
+                </a:solidFill>
+                <a:effectLst/>
+                <a:latin typeface="Segoe UI" panose="020B0502040204020203" pitchFamily="34" charset="0"/>
+                <a:cs typeface="Segoe UI" panose="020B0502040204020203" pitchFamily="34" charset="0"/>
+              </a:rPr>
+              <a:t> </a:t>
+            </a:r>
+            <a:endParaRPr kumimoji="0" lang="en-CA" altLang="en-US" sz="1100" b="0" i="0" u="none" strike="noStrike" cap="none" normalizeH="0" baseline="0">
+              <a:ln>
+                <a:noFill/>
+              </a:ln>
+              <a:solidFill>
+                <a:schemeClr val="tx1"/>
+              </a:solidFill>
+              <a:effectLst/>
+            </a:endParaRPr>
+          </a:p>
+          <a:p>
+            <a:pPr marL="0" marR="0" lvl="0" indent="0" algn="l" defTabSz="914400" rtl="0" eaLnBrk="0" fontAlgn="base" latinLnBrk="0" hangingPunct="0">
+              <a:lnSpc>
+                <a:spcPct val="100000"/>
+              </a:lnSpc>
+              <a:spcBef>
+                <a:spcPct val="0"/>
+              </a:spcBef>
+              <a:spcAft>
+                <a:spcPct val="0"/>
+              </a:spcAft>
+              <a:buClrTx/>
+              <a:buSzTx/>
+              <a:buFontTx/>
+              <a:buNone/>
+              <a:tabLst/>
+            </a:pPr>
+            <a:r>
+              <a:rPr kumimoji="0" lang="en-CA" altLang="en-US" sz="800" b="0" i="0" u="none" strike="noStrike" cap="none" normalizeH="0" baseline="0">
+                <a:ln>
+                  <a:noFill/>
+                </a:ln>
+                <a:solidFill>
+                  <a:srgbClr val="4E586A"/>
+                </a:solidFill>
+                <a:effectLst/>
+                <a:latin typeface="Segoe UI" panose="020B0502040204020203" pitchFamily="34" charset="0"/>
+                <a:cs typeface="Segoe UI" panose="020B0502040204020203" pitchFamily="34" charset="0"/>
+              </a:rPr>
+              <a:t> </a:t>
+            </a:r>
+            <a:endParaRPr kumimoji="0" lang="en-CA" altLang="en-US" sz="1100" b="0" i="0" u="none" strike="noStrike" cap="none" normalizeH="0" baseline="0">
+              <a:ln>
+                <a:noFill/>
+              </a:ln>
+              <a:solidFill>
+                <a:schemeClr val="tx1"/>
+              </a:solidFill>
+              <a:effectLst/>
+            </a:endParaRPr>
+          </a:p>
+          <a:p>
+            <a:pPr marL="0" marR="0" lvl="0" indent="0" algn="l" defTabSz="914400" rtl="0" eaLnBrk="0" fontAlgn="base" latinLnBrk="0" hangingPunct="0">
+              <a:lnSpc>
+                <a:spcPct val="100000"/>
+              </a:lnSpc>
+              <a:spcBef>
+                <a:spcPct val="0"/>
+              </a:spcBef>
+              <a:spcAft>
+                <a:spcPct val="0"/>
+              </a:spcAft>
+              <a:buClrTx/>
+              <a:buSzTx/>
+              <a:buFontTx/>
+              <a:buNone/>
+              <a:tabLst/>
+            </a:pPr>
+            <a:r>
+              <a:rPr kumimoji="0" lang="en-CA" altLang="en-US" sz="1000" b="0" i="0" u="none" strike="noStrike" cap="none" normalizeH="0" baseline="0">
+                <a:ln>
+                  <a:noFill/>
+                </a:ln>
+                <a:solidFill>
+                  <a:schemeClr val="tx1"/>
+                </a:solidFill>
+                <a:effectLst/>
+                <a:latin typeface="Calibri" panose="020F0502020204030204" pitchFamily="34" charset="0"/>
+                <a:cs typeface="Calibri" panose="020F0502020204030204" pitchFamily="34" charset="0"/>
+              </a:rPr>
+              <a:t> </a:t>
+            </a:r>
+            <a:endParaRPr kumimoji="0" lang="en-CA" altLang="en-US" sz="1800" b="0" i="0" u="none" strike="noStrike" cap="none" normalizeH="0" baseline="0">
+              <a:ln>
+                <a:noFill/>
+              </a:ln>
+              <a:solidFill>
+                <a:schemeClr val="tx1"/>
+              </a:solidFill>
+              <a:effectLst/>
+              <a:latin typeface="Arial" panose="020B0604020202020204" pitchFamily="34" charset="0"/>
+            </a:endParaRPr>
+          </a:p>
+        </p:txBody>
+      </p:sp>
     </p:spTree>
     <p:extLst>
       <p:ext uri="{BB962C8B-B14F-4D97-AF65-F5344CB8AC3E}">
-        <p14:creationId xmlns:p14="http://schemas.microsoft.com/office/powerpoint/2010/main" val="2743372409"/>
+        <p14:creationId xmlns:p14="http://schemas.microsoft.com/office/powerpoint/2010/main" val="4177104793"/>
       </p:ext>
     </p:extLst>
   </p:cSld>
@@ -4201,14 +5116,23 @@
             <p:ph type="title"/>
           </p:nvPr>
         </p:nvSpPr>
-        <p:spPr/>
+        <p:spPr>
+          <a:xfrm>
+            <a:off x="899160" y="377317"/>
+            <a:ext cx="10515600" cy="1325563"/>
+          </a:xfrm>
+        </p:spPr>
         <p:txBody>
           <a:bodyPr/>
           <a:lstStyle/>
           <a:p>
             <a:r>
-              <a:rPr lang="en-CA" b="1" dirty="0"/>
-              <a:t>Problem Statement - Revised</a:t>
+              <a:rPr lang="en-CA" dirty="0">
+                <a:solidFill>
+                  <a:schemeClr val="bg1"/>
+                </a:solidFill>
+              </a:rPr>
+              <a:t>Problem Statement - Original</a:t>
             </a:r>
           </a:p>
         </p:txBody>
@@ -4232,73 +5156,26 @@
         <p:spPr/>
         <p:txBody>
           <a:bodyPr>
-            <a:normAutofit fontScale="40000" lnSpcReduction="20000"/>
+            <a:normAutofit/>
           </a:bodyPr>
           <a:lstStyle/>
           <a:p>
-            <a:pPr marL="0" indent="0" fontAlgn="base">
+            <a:pPr marL="0" indent="0">
               <a:buNone/>
             </a:pPr>
             <a:r>
-              <a:rPr lang="en-CA" sz="7000" b="1" dirty="0"/>
-              <a:t>Challenges:</a:t>
-            </a:r>
-          </a:p>
-          <a:p>
-            <a:pPr fontAlgn="base"/>
-            <a:r>
-              <a:rPr lang="en-CA" sz="7000" dirty="0"/>
-              <a:t>Digital content has exponentially grown the number of records transferred and made available for access by the archives.</a:t>
-            </a:r>
-          </a:p>
-          <a:p>
-            <a:pPr fontAlgn="base"/>
-            <a:r>
-              <a:rPr lang="en-CA" sz="7000" dirty="0"/>
-              <a:t>Increased resource time spent assessing, analyzing and describing content.</a:t>
-            </a:r>
-          </a:p>
-          <a:p>
-            <a:pPr fontAlgn="base"/>
-            <a:r>
-              <a:rPr lang="en-CA" sz="7000" dirty="0"/>
-              <a:t>Minimal automation resulting in lots of manual intervention.</a:t>
-            </a:r>
-          </a:p>
-          <a:p>
-            <a:pPr marL="0" indent="0" fontAlgn="base">
-              <a:buNone/>
-            </a:pPr>
-            <a:endParaRPr lang="en-CA" sz="7000" dirty="0"/>
-          </a:p>
-          <a:p>
-            <a:pPr marL="0" indent="0">
-              <a:buNone/>
-            </a:pPr>
-            <a:r>
-              <a:rPr lang="en-CA" sz="7000" b="1" dirty="0"/>
-              <a:t>Defined problem and solution:</a:t>
-            </a:r>
-          </a:p>
-          <a:p>
-            <a:pPr fontAlgn="base"/>
-            <a:r>
-              <a:rPr lang="en-CA" sz="7000" dirty="0"/>
-              <a:t>Minimize processing time for listing and creating access points to records.</a:t>
-            </a:r>
-          </a:p>
-          <a:p>
-            <a:pPr fontAlgn="base"/>
-            <a:r>
-              <a:rPr lang="en-CA" sz="7000" dirty="0"/>
-              <a:t>Automate record listing and create computer generated tags.</a:t>
-            </a:r>
-          </a:p>
-          <a:p>
-            <a:pPr marL="0" indent="0" fontAlgn="base">
-              <a:buNone/>
-            </a:pPr>
-            <a:endParaRPr lang="en-CA" sz="7000" dirty="0"/>
+              <a:rPr lang="en-CA" b="1" dirty="0"/>
+              <a:t>Problem statement</a:t>
+            </a:r>
+          </a:p>
+          <a:p>
+            <a:r>
+              <a:rPr lang="en-CA" dirty="0"/>
+              <a:t>Review and analyse various data sets [e.g. Ontario government archival records] to sort/categorize, providing new information [e.g., related archived records] and improving processes [e.g., faster and easier access to archival information].</a:t>
+            </a:r>
+          </a:p>
+          <a:p>
+            <a:endParaRPr lang="en-CA" dirty="0"/>
           </a:p>
           <a:p>
             <a:endParaRPr lang="en-CA" dirty="0"/>
@@ -4310,7 +5187,7 @@
           <p:cNvPr id="4" name="Slide Number Placeholder 3">
             <a:extLst>
               <a:ext uri="{FF2B5EF4-FFF2-40B4-BE49-F238E27FC236}">
-                <a16:creationId xmlns:a16="http://schemas.microsoft.com/office/drawing/2014/main" id="{7589725D-BB00-4A34-BF53-52FD24B7D7D7}"/>
+                <a16:creationId xmlns:a16="http://schemas.microsoft.com/office/drawing/2014/main" id="{9B7FCDE9-7908-42DB-A41D-4DF9AA6AE928}"/>
               </a:ext>
             </a:extLst>
           </p:cNvPr>
@@ -4321,7 +5198,12 @@
             <p:ph type="sldNum" sz="quarter" idx="12"/>
           </p:nvPr>
         </p:nvSpPr>
-        <p:spPr/>
+        <p:spPr>
+          <a:xfrm>
+            <a:off x="11692527" y="6083435"/>
+            <a:ext cx="499473" cy="320675"/>
+          </a:xfrm>
+        </p:spPr>
         <p:txBody>
           <a:bodyPr/>
           <a:lstStyle/>
@@ -4338,7 +5220,7 @@
     </p:spTree>
     <p:extLst>
       <p:ext uri="{BB962C8B-B14F-4D97-AF65-F5344CB8AC3E}">
-        <p14:creationId xmlns:p14="http://schemas.microsoft.com/office/powerpoint/2010/main" val="1323127606"/>
+        <p14:creationId xmlns:p14="http://schemas.microsoft.com/office/powerpoint/2010/main" val="2036386825"/>
       </p:ext>
     </p:extLst>
   </p:cSld>
@@ -4383,18 +5265,12 @@
         </p:nvSpPr>
         <p:spPr/>
         <p:txBody>
-          <a:bodyPr>
-            <a:normAutofit/>
-          </a:bodyPr>
-          <a:lstStyle/>
-          <a:p>
-            <a:r>
-              <a:rPr lang="en-CA" sz="4000" b="1" dirty="0">
-                <a:solidFill>
-                  <a:schemeClr val="bg1"/>
-                </a:solidFill>
-              </a:rPr>
-              <a:t>Collaborative, Multi-disciplinary  Team </a:t>
+          <a:bodyPr/>
+          <a:lstStyle/>
+          <a:p>
+            <a:r>
+              <a:rPr lang="en-CA" b="1" dirty="0"/>
+              <a:t>Problem Statement - Revised</a:t>
             </a:r>
           </a:p>
         </p:txBody>
@@ -4418,57 +5294,66 @@
         <p:spPr/>
         <p:txBody>
           <a:bodyPr>
-            <a:normAutofit fontScale="92500" lnSpcReduction="20000"/>
+            <a:normAutofit fontScale="40000" lnSpcReduction="20000"/>
           </a:bodyPr>
           <a:lstStyle/>
           <a:p>
+            <a:pPr marL="0" indent="0" fontAlgn="base">
+              <a:buNone/>
+            </a:pPr>
+            <a:r>
+              <a:rPr lang="en-CA" sz="7000" b="1" dirty="0"/>
+              <a:t>Challenges:</a:t>
+            </a:r>
+          </a:p>
+          <a:p>
+            <a:pPr fontAlgn="base"/>
+            <a:r>
+              <a:rPr lang="en-CA" sz="7000" dirty="0"/>
+              <a:t>Digital content has exponentially grown the number of records transferred and made available for access by the archives.</a:t>
+            </a:r>
+          </a:p>
+          <a:p>
+            <a:pPr fontAlgn="base"/>
+            <a:r>
+              <a:rPr lang="en-CA" sz="7000" dirty="0"/>
+              <a:t>Increased resource time spent assessing, analyzing and describing content without the proper tools to do this work.</a:t>
+            </a:r>
+          </a:p>
+          <a:p>
+            <a:pPr fontAlgn="base"/>
+            <a:r>
+              <a:rPr lang="en-CA" sz="7000" dirty="0"/>
+              <a:t>Minimal automation resulting in lots of manual intervention.</a:t>
+            </a:r>
+          </a:p>
+          <a:p>
+            <a:pPr marL="0" indent="0" fontAlgn="base">
+              <a:buNone/>
+            </a:pPr>
+            <a:endParaRPr lang="en-CA" sz="7000" dirty="0"/>
+          </a:p>
+          <a:p>
             <a:pPr marL="0" indent="0">
               <a:buNone/>
             </a:pPr>
             <a:r>
-              <a:rPr lang="en-US" sz="3000" dirty="0"/>
-              <a:t>Most of the team had basic coding knowledge with subject matter knowledge in:</a:t>
-            </a:r>
-          </a:p>
-          <a:p>
-            <a:pPr lvl="1"/>
-            <a:r>
-              <a:rPr lang="en-US" sz="3000" dirty="0"/>
-              <a:t>Archival and information management</a:t>
-            </a:r>
-          </a:p>
-          <a:p>
-            <a:pPr lvl="1"/>
-            <a:r>
-              <a:rPr lang="en-US" sz="3000" dirty="0"/>
-              <a:t>Recordkeeping, access and privacy</a:t>
-            </a:r>
-          </a:p>
-          <a:p>
-            <a:pPr lvl="1"/>
-            <a:r>
-              <a:rPr lang="en-US" sz="3000" dirty="0"/>
-              <a:t>Python, File I/O and data manipulation </a:t>
-            </a:r>
-          </a:p>
-          <a:p>
-            <a:endParaRPr lang="en-US" sz="3000" dirty="0"/>
-          </a:p>
-          <a:p>
-            <a:r>
-              <a:rPr lang="en-US" sz="3000" dirty="0"/>
-              <a:t>Led by the Compute Ontario team of Fei, Shaikh, Jamie, Matt and Dennis. </a:t>
-            </a:r>
-          </a:p>
-          <a:p>
-            <a:pPr lvl="1"/>
-            <a:endParaRPr lang="en-US" sz="3000" dirty="0"/>
-          </a:p>
-          <a:p>
-            <a:r>
-              <a:rPr lang="en-CA" sz="3000" dirty="0"/>
-              <a:t>The common goal for the team was to learn more about AI concepts and tools and to understand what problems could be worked on.</a:t>
-            </a:r>
+              <a:rPr lang="en-CA" sz="7000" b="1" dirty="0"/>
+              <a:t>Defined problem and solution:</a:t>
+            </a:r>
+          </a:p>
+          <a:p>
+            <a:pPr fontAlgn="base"/>
+            <a:r>
+              <a:rPr lang="en-CA" sz="7000" dirty="0"/>
+              <a:t>Minimize processing time and effort for record listing and creating descriptive tags and metadata to identify and locate records.</a:t>
+            </a:r>
+          </a:p>
+          <a:p>
+            <a:pPr marL="0" indent="0" fontAlgn="base">
+              <a:buNone/>
+            </a:pPr>
+            <a:endParaRPr lang="en-CA" sz="7000" dirty="0"/>
           </a:p>
           <a:p>
             <a:endParaRPr lang="en-CA" dirty="0"/>
@@ -4480,7 +5365,7 @@
           <p:cNvPr id="4" name="Slide Number Placeholder 3">
             <a:extLst>
               <a:ext uri="{FF2B5EF4-FFF2-40B4-BE49-F238E27FC236}">
-                <a16:creationId xmlns:a16="http://schemas.microsoft.com/office/drawing/2014/main" id="{1E4FE7C2-57A9-4A5D-A57D-F044E11D3A7D}"/>
+                <a16:creationId xmlns:a16="http://schemas.microsoft.com/office/drawing/2014/main" id="{7589725D-BB00-4A34-BF53-52FD24B7D7D7}"/>
               </a:ext>
             </a:extLst>
           </p:cNvPr>
@@ -4508,7 +5393,7 @@
     </p:spTree>
     <p:extLst>
       <p:ext uri="{BB962C8B-B14F-4D97-AF65-F5344CB8AC3E}">
-        <p14:creationId xmlns:p14="http://schemas.microsoft.com/office/powerpoint/2010/main" val="3329953684"/>
+        <p14:creationId xmlns:p14="http://schemas.microsoft.com/office/powerpoint/2010/main" val="1323127606"/>
       </p:ext>
     </p:extLst>
   </p:cSld>
@@ -4553,12 +5438,18 @@
         </p:nvSpPr>
         <p:spPr/>
         <p:txBody>
-          <a:bodyPr/>
-          <a:lstStyle/>
-          <a:p>
-            <a:r>
-              <a:rPr lang="en-CA" dirty="0"/>
-              <a:t>Approach to Applying AI</a:t>
+          <a:bodyPr>
+            <a:normAutofit/>
+          </a:bodyPr>
+          <a:lstStyle/>
+          <a:p>
+            <a:r>
+              <a:rPr lang="en-CA" sz="4000" b="1" dirty="0">
+                <a:solidFill>
+                  <a:schemeClr val="bg1"/>
+                </a:solidFill>
+              </a:rPr>
+              <a:t>Collaborative, Multi-disciplinary  Team </a:t>
             </a:r>
           </a:p>
         </p:txBody>
@@ -4582,53 +5473,60 @@
         <p:spPr/>
         <p:txBody>
           <a:bodyPr>
-            <a:normAutofit lnSpcReduction="10000"/>
+            <a:normAutofit fontScale="92500" lnSpcReduction="20000"/>
           </a:bodyPr>
           <a:lstStyle/>
           <a:p>
-            <a:r>
-              <a:rPr lang="en-US" dirty="0"/>
-              <a:t>Basic Python Programming and File Input and Output looking at how to read and store data.</a:t>
-            </a:r>
-          </a:p>
-          <a:p>
-            <a:r>
-              <a:rPr lang="en-US" dirty="0"/>
-              <a:t>ETL to pull data from one database to another in order to train a model for machine learning</a:t>
+            <a:pPr marL="0" indent="0">
+              <a:buNone/>
+            </a:pPr>
+            <a:r>
+              <a:rPr lang="en-US" sz="3000" dirty="0"/>
+              <a:t>The IPA and GISC team brought subject matter knowledge in:</a:t>
             </a:r>
           </a:p>
           <a:p>
             <a:pPr lvl="1"/>
             <a:r>
-              <a:rPr lang="en-US" dirty="0"/>
-              <a:t>Extract – reading data from a database</a:t>
+              <a:rPr lang="en-US" sz="3000" dirty="0"/>
+              <a:t>Archival and information management</a:t>
             </a:r>
           </a:p>
           <a:p>
             <a:pPr lvl="1"/>
             <a:r>
-              <a:rPr lang="en-US" dirty="0"/>
-              <a:t>Transform – converting the extracted data using Python</a:t>
+              <a:rPr lang="en-US" sz="3000" dirty="0"/>
+              <a:t>Recordkeeping, access and privacy</a:t>
             </a:r>
           </a:p>
           <a:p>
             <a:pPr lvl="1"/>
             <a:r>
-              <a:rPr lang="en-US" dirty="0"/>
-              <a:t>Load – writing data into the new database</a:t>
-            </a:r>
-          </a:p>
-          <a:p>
-            <a:r>
-              <a:rPr lang="en-US" dirty="0"/>
-              <a:t>Machine generated output into excel for file list with related document tags.</a:t>
-            </a:r>
-          </a:p>
-          <a:p>
-            <a:r>
-              <a:rPr lang="en-US" dirty="0"/>
-              <a:t>Future opportunities to train the model and develop vocabulary for tagging.</a:t>
-            </a:r>
+              <a:rPr lang="en-US" sz="3000" dirty="0"/>
+              <a:t>Python, File I/O and data manipulation </a:t>
+            </a:r>
+          </a:p>
+          <a:p>
+            <a:endParaRPr lang="en-US" sz="3000" dirty="0"/>
+          </a:p>
+          <a:p>
+            <a:r>
+              <a:rPr lang="en-US" sz="3000" dirty="0"/>
+              <a:t>Led by the Compute Ontario team of Fei, Shaikh, Jamie, Matt and Dennis. </a:t>
+            </a:r>
+          </a:p>
+          <a:p>
+            <a:pPr lvl="1"/>
+            <a:endParaRPr lang="en-US" sz="3000" dirty="0"/>
+          </a:p>
+          <a:p>
+            <a:r>
+              <a:rPr lang="en-CA" sz="3000" dirty="0"/>
+              <a:t>The common goal for the team was to learn more about AI concepts and tools and to understand what problems could be solutioned and how it could benefit our work.</a:t>
+            </a:r>
+          </a:p>
+          <a:p>
+            <a:endParaRPr lang="en-CA" dirty="0"/>
           </a:p>
         </p:txBody>
       </p:sp>
@@ -4637,7 +5535,7 @@
           <p:cNvPr id="4" name="Slide Number Placeholder 3">
             <a:extLst>
               <a:ext uri="{FF2B5EF4-FFF2-40B4-BE49-F238E27FC236}">
-                <a16:creationId xmlns:a16="http://schemas.microsoft.com/office/drawing/2014/main" id="{5177F07C-735D-43A4-AED9-FE893E0FDAAC}"/>
+                <a16:creationId xmlns:a16="http://schemas.microsoft.com/office/drawing/2014/main" id="{1E4FE7C2-57A9-4A5D-A57D-F044E11D3A7D}"/>
               </a:ext>
             </a:extLst>
           </p:cNvPr>
@@ -4665,7 +5563,7 @@
     </p:spTree>
     <p:extLst>
       <p:ext uri="{BB962C8B-B14F-4D97-AF65-F5344CB8AC3E}">
-        <p14:creationId xmlns:p14="http://schemas.microsoft.com/office/powerpoint/2010/main" val="2605752154"/>
+        <p14:creationId xmlns:p14="http://schemas.microsoft.com/office/powerpoint/2010/main" val="3329953684"/>
       </p:ext>
     </p:extLst>
   </p:cSld>
@@ -4715,7 +5613,7 @@
           <a:p>
             <a:r>
               <a:rPr lang="en-CA" dirty="0"/>
-              <a:t>Summary of Solution</a:t>
+              <a:t>Approach to Applying AI</a:t>
             </a:r>
           </a:p>
         </p:txBody>
@@ -4738,24 +5636,74 @@
         </p:nvSpPr>
         <p:spPr/>
         <p:txBody>
-          <a:bodyPr/>
+          <a:bodyPr>
+            <a:normAutofit/>
+          </a:bodyPr>
           <a:lstStyle/>
           <a:p>
             <a:r>
               <a:rPr lang="en-US" dirty="0"/>
-              <a:t>The prototype has an immediate benefit as it could be used to provide access points for transferred unprocessed digital records in particular legal discovery and freedom of information requests.</a:t>
-            </a:r>
-          </a:p>
-          <a:p>
+              <a:t>Developing the solution using open source software, </a:t>
+            </a:r>
+            <a:r>
+              <a:rPr lang="en-CA" dirty="0"/>
+              <a:t>no licensing  dependencies on any commercial software required.</a:t>
+            </a:r>
+            <a:endParaRPr lang="en-US" dirty="0"/>
+          </a:p>
+          <a:p>
+            <a:r>
+              <a:rPr lang="en-US" b="1" dirty="0"/>
+              <a:t>ETL</a:t>
+            </a:r>
             <a:r>
               <a:rPr lang="en-US" dirty="0"/>
-              <a:t>Further adaptation by the Archives team could create additional business benefits for listing, organizing and providing access to digital records.</a:t>
-            </a:r>
-          </a:p>
-          <a:p>
-            <a:r>
-              <a:rPr lang="en-CA" dirty="0"/>
-              <a:t>Using the machine learning model for text classification the Archives team can further define tags, refine and train the model with new tags over time for greater accuracy.</a:t>
+              <a:t> to pull data from a IPA repository to train a model for machine learning.</a:t>
+            </a:r>
+          </a:p>
+          <a:p>
+            <a:pPr lvl="1"/>
+            <a:r>
+              <a:rPr lang="en-US" b="1" dirty="0"/>
+              <a:t>Extract </a:t>
+            </a:r>
+            <a:r>
+              <a:rPr lang="en-US" dirty="0"/>
+              <a:t>– reading data from IPA repository</a:t>
+            </a:r>
+          </a:p>
+          <a:p>
+            <a:pPr lvl="1"/>
+            <a:r>
+              <a:rPr lang="en-US" b="1" dirty="0"/>
+              <a:t>Transform</a:t>
+            </a:r>
+            <a:r>
+              <a:rPr lang="en-US" dirty="0"/>
+              <a:t> – converting the extracted data using Python</a:t>
+            </a:r>
+          </a:p>
+          <a:p>
+            <a:pPr lvl="1"/>
+            <a:r>
+              <a:rPr lang="en-US" b="1" dirty="0"/>
+              <a:t>Load</a:t>
+            </a:r>
+            <a:r>
+              <a:rPr lang="en-US" dirty="0"/>
+              <a:t> – writing data into the new database</a:t>
+            </a:r>
+          </a:p>
+          <a:p>
+            <a:r>
+              <a:rPr lang="en-US" dirty="0"/>
+              <a:t>Traditional machine learning to generate an output file list with related document tags.</a:t>
+            </a:r>
+          </a:p>
+          <a:p>
+            <a:r>
+              <a:rPr lang="en-US" dirty="0"/>
+              <a:t>Future opportunities to train a deep learning model.</a:t>
             </a:r>
           </a:p>
         </p:txBody>
@@ -4765,7 +5713,7 @@
           <p:cNvPr id="4" name="Slide Number Placeholder 3">
             <a:extLst>
               <a:ext uri="{FF2B5EF4-FFF2-40B4-BE49-F238E27FC236}">
-                <a16:creationId xmlns:a16="http://schemas.microsoft.com/office/drawing/2014/main" id="{5A501CBF-ACB3-4B1A-82CA-CE32A6F61BFE}"/>
+                <a16:creationId xmlns:a16="http://schemas.microsoft.com/office/drawing/2014/main" id="{5177F07C-735D-43A4-AED9-FE893E0FDAAC}"/>
               </a:ext>
             </a:extLst>
           </p:cNvPr>
@@ -4793,7 +5741,7 @@
     </p:spTree>
     <p:extLst>
       <p:ext uri="{BB962C8B-B14F-4D97-AF65-F5344CB8AC3E}">
-        <p14:creationId xmlns:p14="http://schemas.microsoft.com/office/powerpoint/2010/main" val="2014268893"/>
+        <p14:creationId xmlns:p14="http://schemas.microsoft.com/office/powerpoint/2010/main" val="2605752154"/>
       </p:ext>
     </p:extLst>
   </p:cSld>
@@ -4843,7 +5791,7 @@
           <a:p>
             <a:r>
               <a:rPr lang="en-CA" dirty="0"/>
-              <a:t>AI Learning</a:t>
+              <a:t>Summary of Solution</a:t>
             </a:r>
           </a:p>
         </p:txBody>
@@ -4866,57 +5814,16 @@
         </p:nvSpPr>
         <p:spPr/>
         <p:txBody>
-          <a:bodyPr>
-            <a:normAutofit/>
-          </a:bodyPr>
-          <a:lstStyle/>
-          <a:p>
-            <a:r>
-              <a:rPr lang="en-CA" dirty="0"/>
-              <a:t>Learning what problems AI is solving already and match to a problem within organization.</a:t>
-            </a:r>
-          </a:p>
-          <a:p>
-            <a:r>
-              <a:rPr lang="en-CA" dirty="0"/>
-              <a:t>Identify the right task for automation, machine learning or deep learning.</a:t>
-            </a:r>
-          </a:p>
-          <a:p>
-            <a:r>
-              <a:rPr lang="en-CA" dirty="0"/>
-              <a:t>Having the right preparation of the data for the solution.</a:t>
-            </a:r>
-          </a:p>
-          <a:p>
-            <a:r>
-              <a:rPr lang="en-CA" dirty="0"/>
-              <a:t>Have a big enough dataset to train the model.</a:t>
-            </a:r>
-          </a:p>
-          <a:p>
-            <a:r>
-              <a:rPr lang="en-CA" dirty="0"/>
-              <a:t>Creating enough written classifiers for the computer to learn from.</a:t>
-            </a:r>
-          </a:p>
-          <a:p>
-            <a:r>
-              <a:rPr lang="en-CA" dirty="0"/>
-              <a:t>Continue to define and train models over time.</a:t>
-            </a:r>
-          </a:p>
-          <a:p>
-            <a:r>
-              <a:rPr lang="en-CA" dirty="0"/>
-              <a:t>This skillset could be a positive service value long-term for AO</a:t>
-            </a:r>
-          </a:p>
-          <a:p>
-            <a:endParaRPr lang="en-US" dirty="0"/>
-          </a:p>
-          <a:p>
-            <a:endParaRPr lang="en-US" dirty="0"/>
+          <a:bodyPr/>
+          <a:lstStyle/>
+          <a:p>
+            <a:pPr marL="0" indent="0">
+              <a:buNone/>
+            </a:pPr>
+            <a:endParaRPr lang="en-CA" dirty="0"/>
+          </a:p>
+          <a:p>
+            <a:endParaRPr lang="en-CA" dirty="0"/>
           </a:p>
           <a:p>
             <a:endParaRPr lang="en-CA" dirty="0"/>
@@ -4928,7 +5835,7 @@
           <p:cNvPr id="4" name="Slide Number Placeholder 3">
             <a:extLst>
               <a:ext uri="{FF2B5EF4-FFF2-40B4-BE49-F238E27FC236}">
-                <a16:creationId xmlns:a16="http://schemas.microsoft.com/office/drawing/2014/main" id="{CD4AED7A-2F95-45D3-B935-445C651C03B5}"/>
+                <a16:creationId xmlns:a16="http://schemas.microsoft.com/office/drawing/2014/main" id="{5A501CBF-ACB3-4B1A-82CA-CE32A6F61BFE}"/>
               </a:ext>
             </a:extLst>
           </p:cNvPr>
@@ -4953,10 +5860,46 @@
           </a:p>
         </p:txBody>
       </p:sp>
+      <p:pic>
+        <p:nvPicPr>
+          <p:cNvPr id="8" name="Picture 7">
+            <a:extLst>
+              <a:ext uri="{FF2B5EF4-FFF2-40B4-BE49-F238E27FC236}">
+                <a16:creationId xmlns:a16="http://schemas.microsoft.com/office/drawing/2014/main" id="{B752DAB3-D063-4473-BA7D-FB9DB6E3E721}"/>
+              </a:ext>
+            </a:extLst>
+          </p:cNvPr>
+          <p:cNvPicPr>
+            <a:picLocks noChangeAspect="1"/>
+          </p:cNvPicPr>
+          <p:nvPr/>
+        </p:nvPicPr>
+        <p:blipFill>
+          <a:blip r:embed="rId2">
+            <a:extLst>
+              <a:ext uri="{28A0092B-C50C-407E-A947-70E740481C1C}">
+                <a14:useLocalDpi xmlns:a14="http://schemas.microsoft.com/office/drawing/2010/main" val="0"/>
+              </a:ext>
+            </a:extLst>
+          </a:blip>
+          <a:stretch>
+            <a:fillRect/>
+          </a:stretch>
+        </p:blipFill>
+        <p:spPr>
+          <a:xfrm>
+            <a:off x="0" y="1363851"/>
+            <a:ext cx="12192000" cy="5494149"/>
+          </a:xfrm>
+          <a:prstGeom prst="rect">
+            <a:avLst/>
+          </a:prstGeom>
+        </p:spPr>
+      </p:pic>
     </p:spTree>
     <p:extLst>
       <p:ext uri="{BB962C8B-B14F-4D97-AF65-F5344CB8AC3E}">
-        <p14:creationId xmlns:p14="http://schemas.microsoft.com/office/powerpoint/2010/main" val="25271464"/>
+        <p14:creationId xmlns:p14="http://schemas.microsoft.com/office/powerpoint/2010/main" val="2301724724"/>
       </p:ext>
     </p:extLst>
   </p:cSld>
@@ -4985,10 +5928,86 @@
       </p:grpSpPr>
       <p:sp>
         <p:nvSpPr>
-          <p:cNvPr id="3" name="Slide Number Placeholder 2">
+          <p:cNvPr id="2" name="Title 1">
             <a:extLst>
               <a:ext uri="{FF2B5EF4-FFF2-40B4-BE49-F238E27FC236}">
-                <a16:creationId xmlns:a16="http://schemas.microsoft.com/office/drawing/2014/main" id="{9C4EAAE3-43A1-40F6-902C-AE3FA557CF47}"/>
+                <a16:creationId xmlns:a16="http://schemas.microsoft.com/office/drawing/2014/main" id="{B8C15914-D40C-4F62-B6D9-DA72645C1818}"/>
+              </a:ext>
+            </a:extLst>
+          </p:cNvPr>
+          <p:cNvSpPr>
+            <a:spLocks noGrp="1"/>
+          </p:cNvSpPr>
+          <p:nvPr>
+            <p:ph type="title"/>
+          </p:nvPr>
+        </p:nvSpPr>
+        <p:spPr/>
+        <p:txBody>
+          <a:bodyPr/>
+          <a:lstStyle/>
+          <a:p>
+            <a:r>
+              <a:rPr lang="en-CA" dirty="0"/>
+              <a:t>Business impact</a:t>
+            </a:r>
+          </a:p>
+        </p:txBody>
+      </p:sp>
+      <p:sp>
+        <p:nvSpPr>
+          <p:cNvPr id="3" name="Content Placeholder 2">
+            <a:extLst>
+              <a:ext uri="{FF2B5EF4-FFF2-40B4-BE49-F238E27FC236}">
+                <a16:creationId xmlns:a16="http://schemas.microsoft.com/office/drawing/2014/main" id="{F5BB86FC-C5C1-420C-98EB-340120DE0C7B}"/>
+              </a:ext>
+            </a:extLst>
+          </p:cNvPr>
+          <p:cNvSpPr>
+            <a:spLocks noGrp="1"/>
+          </p:cNvSpPr>
+          <p:nvPr>
+            <p:ph idx="1"/>
+          </p:nvPr>
+        </p:nvSpPr>
+        <p:spPr/>
+        <p:txBody>
+          <a:bodyPr>
+            <a:normAutofit lnSpcReduction="10000"/>
+          </a:bodyPr>
+          <a:lstStyle/>
+          <a:p>
+            <a:r>
+              <a:rPr lang="en-US" dirty="0"/>
+              <a:t>The prototype has an immediate benefit as it could be used to provide access points for transferred unprocessed digital records in particular legal discovery and freedom of information requests.</a:t>
+            </a:r>
+          </a:p>
+          <a:p>
+            <a:r>
+              <a:rPr lang="en-US" dirty="0"/>
+              <a:t>Further adaptation by the Archives team could create additional business benefits for listing, organizing and providing access to digital records.</a:t>
+            </a:r>
+          </a:p>
+          <a:p>
+            <a:r>
+              <a:rPr lang="en-CA" dirty="0"/>
+              <a:t>Using the machine learning model for text classification the Archives team can further define tags, refine and train the model with new tags over time for greater accuracy.</a:t>
+            </a:r>
+          </a:p>
+          <a:p>
+            <a:r>
+              <a:rPr lang="en-CA" b="1" dirty="0"/>
+              <a:t>Creates efficiencies e.g. 1542 files – 136 hours effort – 13 minutes for one computer to run programme.</a:t>
+            </a:r>
+          </a:p>
+        </p:txBody>
+      </p:sp>
+      <p:sp>
+        <p:nvSpPr>
+          <p:cNvPr id="4" name="Slide Number Placeholder 3">
+            <a:extLst>
+              <a:ext uri="{FF2B5EF4-FFF2-40B4-BE49-F238E27FC236}">
+                <a16:creationId xmlns:a16="http://schemas.microsoft.com/office/drawing/2014/main" id="{5A501CBF-ACB3-4B1A-82CA-CE32A6F61BFE}"/>
               </a:ext>
             </a:extLst>
           </p:cNvPr>
@@ -5013,12 +6032,42 @@
           </a:p>
         </p:txBody>
       </p:sp>
-      <p:sp>
-        <p:nvSpPr>
-          <p:cNvPr id="4" name="Title 3">
+    </p:spTree>
+    <p:extLst>
+      <p:ext uri="{BB962C8B-B14F-4D97-AF65-F5344CB8AC3E}">
+        <p14:creationId xmlns:p14="http://schemas.microsoft.com/office/powerpoint/2010/main" val="2014268893"/>
+      </p:ext>
+    </p:extLst>
+  </p:cSld>
+  <p:clrMapOvr>
+    <a:masterClrMapping/>
+  </p:clrMapOvr>
+</p:sld>
+</file>
+
+<file path=ppt/slides/slide9.xml><?xml version="1.0" encoding="utf-8"?>
+<p:sld xmlns:a="http://schemas.openxmlformats.org/drawingml/2006/main" xmlns:r="http://schemas.openxmlformats.org/officeDocument/2006/relationships" xmlns:p="http://schemas.openxmlformats.org/presentationml/2006/main">
+  <p:cSld>
+    <p:spTree>
+      <p:nvGrpSpPr>
+        <p:cNvPr id="1" name=""/>
+        <p:cNvGrpSpPr/>
+        <p:nvPr/>
+      </p:nvGrpSpPr>
+      <p:grpSpPr>
+        <a:xfrm>
+          <a:off x="0" y="0"/>
+          <a:ext cx="0" cy="0"/>
+          <a:chOff x="0" y="0"/>
+          <a:chExt cx="0" cy="0"/>
+        </a:xfrm>
+      </p:grpSpPr>
+      <p:sp>
+        <p:nvSpPr>
+          <p:cNvPr id="2" name="Title 1">
             <a:extLst>
               <a:ext uri="{FF2B5EF4-FFF2-40B4-BE49-F238E27FC236}">
-                <a16:creationId xmlns:a16="http://schemas.microsoft.com/office/drawing/2014/main" id="{0D741238-E281-4FBD-AB39-9E063DE23FA7}"/>
+                <a16:creationId xmlns:a16="http://schemas.microsoft.com/office/drawing/2014/main" id="{B8C15914-D40C-4F62-B6D9-DA72645C1818}"/>
               </a:ext>
             </a:extLst>
           </p:cNvPr>
@@ -5036,45 +6085,122 @@
           <a:p>
             <a:r>
               <a:rPr lang="en-CA" dirty="0"/>
-              <a:t>Where next?</a:t>
-            </a:r>
-          </a:p>
-        </p:txBody>
-      </p:sp>
-      <p:pic>
-        <p:nvPicPr>
-          <p:cNvPr id="5" name="Picture 4">
+              <a:t>Key Learning</a:t>
+            </a:r>
+          </a:p>
+        </p:txBody>
+      </p:sp>
+      <p:sp>
+        <p:nvSpPr>
+          <p:cNvPr id="3" name="Content Placeholder 2">
             <a:extLst>
               <a:ext uri="{FF2B5EF4-FFF2-40B4-BE49-F238E27FC236}">
-                <a16:creationId xmlns:a16="http://schemas.microsoft.com/office/drawing/2014/main" id="{CB920EED-63BD-422B-8CAB-1EA6AAA25A2C}"/>
+                <a16:creationId xmlns:a16="http://schemas.microsoft.com/office/drawing/2014/main" id="{F5BB86FC-C5C1-420C-98EB-340120DE0C7B}"/>
               </a:ext>
             </a:extLst>
           </p:cNvPr>
-          <p:cNvPicPr>
-            <a:picLocks noChangeAspect="1"/>
-          </p:cNvPicPr>
-          <p:nvPr/>
-        </p:nvPicPr>
-        <p:blipFill>
-          <a:blip r:embed="rId2"/>
-          <a:stretch>
-            <a:fillRect/>
-          </a:stretch>
-        </p:blipFill>
-        <p:spPr>
-          <a:xfrm>
-            <a:off x="456711" y="1665287"/>
-            <a:ext cx="11278578" cy="4622028"/>
-          </a:xfrm>
-          <a:prstGeom prst="rect">
-            <a:avLst/>
-          </a:prstGeom>
-        </p:spPr>
-      </p:pic>
+          <p:cNvSpPr>
+            <a:spLocks noGrp="1"/>
+          </p:cNvSpPr>
+          <p:nvPr>
+            <p:ph idx="1"/>
+          </p:nvPr>
+        </p:nvSpPr>
+        <p:spPr/>
+        <p:txBody>
+          <a:bodyPr>
+            <a:normAutofit fontScale="92500" lnSpcReduction="20000"/>
+          </a:bodyPr>
+          <a:lstStyle/>
+          <a:p>
+            <a:r>
+              <a:rPr lang="en-CA" sz="3000" dirty="0"/>
+              <a:t>Clearly define the business problem!</a:t>
+            </a:r>
+          </a:p>
+          <a:p>
+            <a:r>
+              <a:rPr lang="en-US" sz="3000" dirty="0"/>
+              <a:t>Apply the highest value automation tool i.e., least effort &amp; best results</a:t>
+            </a:r>
+            <a:r>
+              <a:rPr lang="en-CA" sz="3000" dirty="0"/>
+              <a:t>. </a:t>
+            </a:r>
+            <a:r>
+              <a:rPr lang="en-US" sz="3000" dirty="0"/>
+              <a:t>AI is not always the highest value tool.</a:t>
+            </a:r>
+          </a:p>
+          <a:p>
+            <a:r>
+              <a:rPr lang="en-CA" sz="3000" dirty="0"/>
+              <a:t>Articulate the clear inputs and outputs of the problem, related business processes, and the inputs and outputs of the relevant process steps</a:t>
+            </a:r>
+          </a:p>
+          <a:p>
+            <a:r>
+              <a:rPr lang="en-CA" sz="3000" dirty="0"/>
+              <a:t>Having the right preparation of the data and human knowledge for the solution (</a:t>
+            </a:r>
+            <a:r>
+              <a:rPr lang="nn-NO" sz="3000" dirty="0"/>
+              <a:t>coding 25%, data prep 75%)</a:t>
+            </a:r>
+            <a:r>
+              <a:rPr lang="en-CA" sz="3000" dirty="0"/>
+              <a:t>. Have a big enough dataset to train the model.</a:t>
+            </a:r>
+          </a:p>
+          <a:p>
+            <a:r>
+              <a:rPr lang="en-CA" sz="3000" dirty="0"/>
+              <a:t>Improving OPS data management will lead to significant process improvements and opportunities.</a:t>
+            </a:r>
+            <a:endParaRPr lang="en-US" sz="3000" dirty="0"/>
+          </a:p>
+          <a:p>
+            <a:endParaRPr lang="en-US" dirty="0"/>
+          </a:p>
+          <a:p>
+            <a:endParaRPr lang="en-CA" dirty="0"/>
+          </a:p>
+        </p:txBody>
+      </p:sp>
+      <p:sp>
+        <p:nvSpPr>
+          <p:cNvPr id="4" name="Slide Number Placeholder 3">
+            <a:extLst>
+              <a:ext uri="{FF2B5EF4-FFF2-40B4-BE49-F238E27FC236}">
+                <a16:creationId xmlns:a16="http://schemas.microsoft.com/office/drawing/2014/main" id="{CD4AED7A-2F95-45D3-B935-445C651C03B5}"/>
+              </a:ext>
+            </a:extLst>
+          </p:cNvPr>
+          <p:cNvSpPr>
+            <a:spLocks noGrp="1"/>
+          </p:cNvSpPr>
+          <p:nvPr>
+            <p:ph type="sldNum" sz="quarter" idx="12"/>
+          </p:nvPr>
+        </p:nvSpPr>
+        <p:spPr/>
+        <p:txBody>
+          <a:bodyPr/>
+          <a:lstStyle/>
+          <a:p>
+            <a:fld id="{F49A6261-6CFD-4356-8B3D-857E01D046D8}" type="slidenum">
+              <a:rPr lang="en-CA" smtClean="0"/>
+              <a:pPr/>
+              <a:t>9</a:t>
+            </a:fld>
+            <a:endParaRPr lang="en-CA" dirty="0"/>
+          </a:p>
+        </p:txBody>
+      </p:sp>
     </p:spTree>
     <p:extLst>
       <p:ext uri="{BB962C8B-B14F-4D97-AF65-F5344CB8AC3E}">
-        <p14:creationId xmlns:p14="http://schemas.microsoft.com/office/powerpoint/2010/main" val="33538879"/>
+        <p14:creationId xmlns:p14="http://schemas.microsoft.com/office/powerpoint/2010/main" val="25271464"/>
       </p:ext>
     </p:extLst>
   </p:cSld>

--- a/presentations/AI Hackathon_Archives of Ontario.pptx
+++ b/presentations/AI Hackathon_Archives of Ontario.pptx
@@ -4101,7 +4101,7 @@
             <a:pPr lvl="1"/>
             <a:r>
               <a:rPr lang="en-CA" sz="2800" dirty="0"/>
-              <a:t>Improve data management.</a:t>
+              <a:t>Improve data and information management.</a:t>
             </a:r>
           </a:p>
           <a:p>
@@ -5658,7 +5658,7 @@
             </a:r>
             <a:r>
               <a:rPr lang="en-US" dirty="0"/>
-              <a:t> to pull data from a IPA repository to train a model for machine learning.</a:t>
+              <a:t> to pull data from IPA repository to train a model for machine learning.</a:t>
             </a:r>
           </a:p>
           <a:p>
